--- a/src/figs/pptx/0002.pptx
+++ b/src/figs/pptx/0002.pptx
@@ -264,7 +264,7 @@
               <a:pPr>
                 <a:defRPr/>
               </a:pPr>
-              <a:t>2021-02-23</a:t>
+              <a:t>2021-02-26</a:t>
             </a:fld>
             <a:endParaRPr lang="en-US"/>
           </a:p>
@@ -631,7 +631,7 @@
             </a:pPr>
             <a:r>
               <a:rPr lang="en-US" smtClean="0"/>
-              <a:t>2021-02-23 | 40132 | +62</a:t>
+              <a:t>2021-02-26 | 40132 | +62</a:t>
             </a:r>
             <a:endParaRPr lang="en-US"/>
           </a:p>
@@ -1013,7 +1013,7 @@
             </a:pPr>
             <a:r>
               <a:rPr lang="en-US" smtClean="0"/>
-              <a:t>2021-02-23 | 40132 | +62</a:t>
+              <a:t>2021-02-26 | 40132 | +62</a:t>
             </a:r>
             <a:endParaRPr lang="en-US"/>
           </a:p>
@@ -1206,7 +1206,7 @@
             </a:pPr>
             <a:r>
               <a:rPr lang="en-US" smtClean="0"/>
-              <a:t>2021-02-23 | 40132 | +62</a:t>
+              <a:t>2021-02-26 | 40132 | +62</a:t>
             </a:r>
             <a:endParaRPr lang="en-US"/>
           </a:p>
@@ -1409,7 +1409,7 @@
             </a:pPr>
             <a:r>
               <a:rPr lang="en-US" smtClean="0"/>
-              <a:t>2021-02-23 | 40132 | +62</a:t>
+              <a:t>2021-02-26 | 40132 | +62</a:t>
             </a:r>
             <a:endParaRPr lang="en-US"/>
           </a:p>
@@ -1674,7 +1674,7 @@
             </a:pPr>
             <a:r>
               <a:rPr lang="en-US" smtClean="0"/>
-              <a:t>2021-02-23 | 40132 | +62</a:t>
+              <a:t>2021-02-26 | 40132 | +62</a:t>
             </a:r>
             <a:endParaRPr lang="en-US"/>
           </a:p>
@@ -1887,7 +1887,7 @@
             </a:pPr>
             <a:r>
               <a:rPr lang="en-US" smtClean="0"/>
-              <a:t>2021-02-23 | 40132 | +62</a:t>
+              <a:t>2021-02-26 | 40132 | +62</a:t>
             </a:r>
             <a:endParaRPr lang="en-US"/>
           </a:p>
@@ -2156,7 +2156,7 @@
             </a:pPr>
             <a:r>
               <a:rPr lang="en-US" smtClean="0"/>
-              <a:t>2021-02-23 | 40132 | +62</a:t>
+              <a:t>2021-02-26 | 40132 | +62</a:t>
             </a:r>
             <a:endParaRPr lang="en-US"/>
           </a:p>
@@ -2467,7 +2467,7 @@
             </a:pPr>
             <a:r>
               <a:rPr lang="en-US" smtClean="0"/>
-              <a:t>2021-02-23 | 40132 | +62</a:t>
+              <a:t>2021-02-26 | 40132 | +62</a:t>
             </a:r>
             <a:endParaRPr lang="en-US"/>
           </a:p>
@@ -2912,7 +2912,7 @@
             </a:pPr>
             <a:r>
               <a:rPr lang="en-US" smtClean="0"/>
-              <a:t>2021-02-23 | 40132 | +62</a:t>
+              <a:t>2021-02-26 | 40132 | +62</a:t>
             </a:r>
             <a:endParaRPr lang="en-US"/>
           </a:p>
@@ -3053,7 +3053,7 @@
             </a:pPr>
             <a:r>
               <a:rPr lang="en-US" smtClean="0"/>
-              <a:t>2021-02-23 | 40132 | +62</a:t>
+              <a:t>2021-02-26 | 40132 | +62</a:t>
             </a:r>
             <a:endParaRPr lang="en-US"/>
           </a:p>
@@ -3171,7 +3171,7 @@
             </a:pPr>
             <a:r>
               <a:rPr lang="en-US" smtClean="0"/>
-              <a:t>2021-02-23 | 40132 | +62</a:t>
+              <a:t>2021-02-26 | 40132 | +62</a:t>
             </a:r>
             <a:endParaRPr lang="en-US"/>
           </a:p>
@@ -3471,7 +3471,7 @@
             </a:pPr>
             <a:r>
               <a:rPr lang="en-US" smtClean="0"/>
-              <a:t>2021-02-23 | 40132 | +62</a:t>
+              <a:t>2021-02-26 | 40132 | +62</a:t>
             </a:r>
             <a:endParaRPr lang="en-US"/>
           </a:p>
@@ -3743,7 +3743,7 @@
             </a:pPr>
             <a:r>
               <a:rPr lang="en-US" smtClean="0"/>
-              <a:t>2021-02-23 | 40132 | +62</a:t>
+              <a:t>2021-02-26 | 40132 | +62</a:t>
             </a:r>
             <a:endParaRPr lang="en-US"/>
           </a:p>
@@ -4319,7 +4319,7 @@
           <a:p>
             <a:r>
               <a:rPr lang="en-US" smtClean="0"/>
-              <a:t>2021-02-23 | 40132 | +62</a:t>
+              <a:t>2021-02-26 | 40132 | +62</a:t>
             </a:r>
           </a:p>
         </p:txBody>
@@ -4532,7 +4532,7 @@
                   <a:schemeClr val="bg1"/>
                 </a:solidFill>
               </a:rPr>
-              <a:t>v20210223_2 </a:t>
+              <a:t>v20210226_0 | https://</a:t>
             </a:r>
             <a:r>
               <a:rPr lang="en-US" sz="1100" smtClean="0">
@@ -4540,7 +4540,7 @@
                   <a:schemeClr val="bg1"/>
                 </a:solidFill>
               </a:rPr>
-              <a:t>| https://</a:t>
+              <a:t>doi.org/10.5281/zenodo</a:t>
             </a:r>
             <a:r>
               <a:rPr lang="en-US" sz="1100" smtClean="0">
@@ -4548,23 +4548,7 @@
                   <a:schemeClr val="bg1"/>
                 </a:solidFill>
               </a:rPr>
-              <a:t>doi.org/10.5281/zenodo</a:t>
-            </a:r>
-            <a:r>
-              <a:rPr lang="en-US" sz="1100" smtClean="0">
-                <a:solidFill>
-                  <a:schemeClr val="bg1"/>
-                </a:solidFill>
-              </a:rPr>
-              <a:t>.</a:t>
-            </a:r>
-            <a:r>
-              <a:rPr lang="en-US" sz="1100" smtClean="0">
-                <a:solidFill>
-                  <a:schemeClr val="bg1"/>
-                </a:solidFill>
-              </a:rPr>
-              <a:t>4556188</a:t>
+              <a:t>.4564342</a:t>
             </a:r>
             <a:endParaRPr lang="en-US" sz="1100" smtClean="0">
               <a:solidFill>
@@ -4947,7 +4931,7 @@
             </a:pPr>
             <a:r>
               <a:rPr lang="en-US" smtClean="0"/>
-              <a:t>2021-02-23 | 40132 | +62</a:t>
+              <a:t>2021-02-26 | 40132 | +62</a:t>
             </a:r>
             <a:endParaRPr lang="en-US"/>
           </a:p>
@@ -5051,11 +5035,7 @@
           <a:p>
             <a:r>
               <a:rPr lang="en-US" sz="3500" smtClean="0"/>
-              <a:t>Potensial listrik bola </a:t>
-            </a:r>
-            <a:r>
-              <a:rPr lang="en-US" sz="3500" smtClean="0"/>
-              <a:t>isolator pejal homogen</a:t>
+              <a:t>Potensial listrik bola isolator pejal homogen</a:t>
             </a:r>
             <a:endParaRPr lang="en-US" sz="3500"/>
           </a:p>
@@ -5159,7 +5139,7 @@
             </a:pPr>
             <a:r>
               <a:rPr lang="en-US" smtClean="0"/>
-              <a:t>2021-02-23 | 40132 | +62</a:t>
+              <a:t>2021-02-26 | 40132 | +62</a:t>
             </a:r>
             <a:endParaRPr lang="en-US"/>
           </a:p>
@@ -5283,23 +5263,7 @@
           <a:p>
             <a:r>
               <a:rPr lang="en-US" smtClean="0"/>
-              <a:t>Pot. listr. </a:t>
-            </a:r>
-            <a:r>
-              <a:rPr lang="en-US" smtClean="0"/>
-              <a:t>bola </a:t>
-            </a:r>
-            <a:r>
-              <a:rPr lang="en-US" smtClean="0"/>
-              <a:t>isolat. </a:t>
-            </a:r>
-            <a:r>
-              <a:rPr lang="en-US" smtClean="0"/>
-              <a:t>pejal </a:t>
-            </a:r>
-            <a:r>
-              <a:rPr lang="en-US" smtClean="0"/>
-              <a:t>homogen (lanj.)</a:t>
+              <a:t>Pot. listr. bola isolat. pejal homogen (lanj.)</a:t>
             </a:r>
             <a:endParaRPr lang="en-US"/>
           </a:p>
@@ -5398,7 +5362,7 @@
             </a:pPr>
             <a:r>
               <a:rPr lang="en-US" smtClean="0"/>
-              <a:t>2021-02-23 | 40132 | +62</a:t>
+              <a:t>2021-02-26 | 40132 | +62</a:t>
             </a:r>
             <a:endParaRPr lang="en-US"/>
           </a:p>
@@ -5903,7 +5867,7 @@
             </a:pPr>
             <a:r>
               <a:rPr lang="en-US" smtClean="0"/>
-              <a:t>2021-02-23 | 40132 | +62</a:t>
+              <a:t>2021-02-26 | 40132 | +62</a:t>
             </a:r>
             <a:endParaRPr lang="en-US"/>
           </a:p>
@@ -6119,7 +6083,7 @@
             </a:pPr>
             <a:r>
               <a:rPr lang="en-US" smtClean="0"/>
-              <a:t>2021-02-23 | 40132 | +62</a:t>
+              <a:t>2021-02-26 | 40132 | +62</a:t>
             </a:r>
             <a:endParaRPr lang="en-US"/>
           </a:p>
@@ -6362,7 +6326,7 @@
             </a:pPr>
             <a:r>
               <a:rPr lang="en-US" smtClean="0"/>
-              <a:t>2021-02-23 | 40132 | +62</a:t>
+              <a:t>2021-02-26 | 40132 | +62</a:t>
             </a:r>
             <a:endParaRPr lang="en-US"/>
           </a:p>
@@ -6677,7 +6641,7 @@
             </a:pPr>
             <a:r>
               <a:rPr lang="en-US" smtClean="0"/>
-              <a:t>2021-02-23 | 40132 | +62</a:t>
+              <a:t>2021-02-26 | 40132 | +62</a:t>
             </a:r>
             <a:endParaRPr lang="en-US"/>
           </a:p>
@@ -6893,11 +6857,7 @@
             </a:pPr>
             <a:r>
               <a:rPr lang="en-US" smtClean="0"/>
-              <a:t>Terdapat suatu bola isolator pejal </a:t>
-            </a:r>
-            <a:r>
-              <a:rPr lang="en-US" smtClean="0"/>
-              <a:t>homogen bermuatan </a:t>
+              <a:t>Terdapat suatu bola isolator pejal homogen bermuatan </a:t>
             </a:r>
             <a:r>
               <a:rPr lang="en-US" smtClean="0">
@@ -7188,7 +7148,7 @@
             </a:pPr>
             <a:r>
               <a:rPr lang="en-US" smtClean="0"/>
-              <a:t>2021-02-23 | 40132 | +62</a:t>
+              <a:t>2021-02-26 | 40132 | +62</a:t>
             </a:r>
             <a:endParaRPr lang="en-US"/>
           </a:p>
@@ -7388,7 +7348,7 @@
             </a:pPr>
             <a:r>
               <a:rPr lang="en-US" smtClean="0"/>
-              <a:t>2021-02-23 | 40132 | +62</a:t>
+              <a:t>2021-02-26 | 40132 | +62</a:t>
             </a:r>
             <a:endParaRPr lang="en-US"/>
           </a:p>
@@ -7573,34 +7533,14 @@
             </a:br>
             <a:r>
               <a:rPr lang="en-US" smtClean="0"/>
-              <a:t>dan bentuk </a:t>
-            </a:r>
-            <a:r>
-              <a:rPr lang="en-US" smtClean="0"/>
-              <a:t>kurvanya adalah</a:t>
+              <a:t>dan bentuk kurvanya adalah</a:t>
             </a:r>
             <a:br>
               <a:rPr lang="en-US" smtClean="0"/>
             </a:br>
             <a:r>
               <a:rPr lang="en-US" smtClean="0"/>
-              <a:t>seperti </a:t>
-            </a:r>
-            <a:r>
-              <a:rPr lang="en-US" smtClean="0"/>
-              <a:t>di </a:t>
-            </a:r>
-            <a:r>
-              <a:rPr lang="en-US" smtClean="0"/>
-              <a:t>samping </a:t>
-            </a:r>
-            <a:r>
-              <a:rPr lang="en-US" smtClean="0"/>
-              <a:t>kanan </a:t>
-            </a:r>
-            <a:r>
-              <a:rPr lang="en-US" smtClean="0"/>
-              <a:t>ini</a:t>
+              <a:t>seperti di samping kanan ini</a:t>
             </a:r>
             <a:br>
               <a:rPr lang="en-US" smtClean="0"/>
@@ -7637,10 +7577,6 @@
               </a:rPr>
               <a:t>Q</a:t>
             </a:r>
-            <a:endParaRPr lang="en-US" i="1" smtClean="0">
-              <a:latin typeface="Times New Roman" pitchFamily="18" charset="0"/>
-              <a:cs typeface="Times New Roman" pitchFamily="18" charset="0"/>
-            </a:endParaRPr>
           </a:p>
           <a:p>
             <a:endParaRPr lang="en-US"/>
@@ -7693,7 +7629,7 @@
             </a:pPr>
             <a:r>
               <a:rPr lang="en-US" smtClean="0"/>
-              <a:t>2021-02-23 | 40132 | +62</a:t>
+              <a:t>2021-02-26 | 40132 | +62</a:t>
             </a:r>
             <a:endParaRPr lang="en-US"/>
           </a:p>
@@ -7921,7 +7857,7 @@
             </a:pPr>
             <a:r>
               <a:rPr lang="en-US" smtClean="0"/>
-              <a:t>2021-02-23 | 40132 | +62</a:t>
+              <a:t>2021-02-26 | 40132 | +62</a:t>
             </a:r>
             <a:endParaRPr lang="en-US"/>
           </a:p>
@@ -8137,7 +8073,7 @@
             </a:pPr>
             <a:r>
               <a:rPr lang="en-US" smtClean="0"/>
-              <a:t>2021-02-23 | 40132 | +62</a:t>
+              <a:t>2021-02-26 | 40132 | +62</a:t>
             </a:r>
             <a:endParaRPr lang="en-US"/>
           </a:p>
@@ -8368,7 +8304,7 @@
             </a:pPr>
             <a:r>
               <a:rPr lang="en-US" smtClean="0"/>
-              <a:t>2021-02-23 | 40132 | +62</a:t>
+              <a:t>2021-02-26 | 40132 | +62</a:t>
             </a:r>
             <a:endParaRPr lang="en-US"/>
           </a:p>
@@ -8684,23 +8620,7 @@
             </a:r>
             <a:r>
               <a:rPr lang="en-US" smtClean="0"/>
-              <a:t> (</a:t>
-            </a:r>
-            <a:r>
-              <a:rPr lang="en-US" smtClean="0"/>
-              <a:t>untuk </a:t>
-            </a:r>
-            <a:r>
-              <a:rPr lang="en-US" smtClean="0"/>
-              <a:t>memudahkan menggambar</a:t>
-            </a:r>
-            <a:r>
-              <a:rPr lang="en-US" smtClean="0"/>
-              <a:t>) dapat diperoleh hasil berikut</a:t>
-            </a:r>
-            <a:r>
-              <a:rPr lang="en-US" smtClean="0"/>
-              <a:t/>
+              <a:t> (untuk memudahkan menggambar) dapat diperoleh hasil berikut</a:t>
             </a:r>
             <a:br>
               <a:rPr lang="en-US" smtClean="0"/>
@@ -8870,7 +8790,6 @@
               <a:rPr lang="en-US" smtClean="0"/>
               <a:t>]</a:t>
             </a:r>
-            <a:endParaRPr lang="en-US" smtClean="0"/>
           </a:p>
           <a:p>
             <a:pPr marL="457200" indent="-457200">
@@ -8927,7 +8846,7 @@
             </a:pPr>
             <a:r>
               <a:rPr lang="en-US" smtClean="0"/>
-              <a:t>2021-02-23 | 40132 | +62</a:t>
+              <a:t>2021-02-26 | 40132 | +62</a:t>
             </a:r>
             <a:endParaRPr lang="en-US"/>
           </a:p>
@@ -9172,7 +9091,7 @@
             </a:pPr>
             <a:r>
               <a:rPr lang="en-US" smtClean="0"/>
-              <a:t>2021-02-23 | 40132 | +62</a:t>
+              <a:t>2021-02-26 | 40132 | +62</a:t>
             </a:r>
             <a:endParaRPr lang="en-US"/>
           </a:p>
@@ -9377,7 +9296,7 @@
             </a:pPr>
             <a:r>
               <a:rPr lang="en-US" smtClean="0"/>
-              <a:t>2021-02-23 | 40132 | +62</a:t>
+              <a:t>2021-02-26 | 40132 | +62</a:t>
             </a:r>
             <a:endParaRPr lang="en-US"/>
           </a:p>
@@ -9582,7 +9501,7 @@
             </a:pPr>
             <a:r>
               <a:rPr lang="en-US" smtClean="0"/>
-              <a:t>2021-02-23 | 40132 | +62</a:t>
+              <a:t>2021-02-26 | 40132 | +62</a:t>
             </a:r>
             <a:endParaRPr lang="en-US"/>
           </a:p>
@@ -9820,7 +9739,7 @@
             </a:pPr>
             <a:r>
               <a:rPr lang="en-US" smtClean="0"/>
-              <a:t>2021-02-23 | 40132 | +62</a:t>
+              <a:t>2021-02-26 | 40132 | +62</a:t>
             </a:r>
             <a:endParaRPr lang="en-US"/>
           </a:p>
@@ -9992,7 +9911,7 @@
             </a:pPr>
             <a:r>
               <a:rPr lang="en-US" smtClean="0"/>
-              <a:t>2021-02-23 | 40132 | +62</a:t>
+              <a:t>2021-02-26 | 40132 | +62</a:t>
             </a:r>
             <a:endParaRPr lang="en-US"/>
           </a:p>
@@ -10197,7 +10116,7 @@
             </a:pPr>
             <a:r>
               <a:rPr lang="en-US" smtClean="0"/>
-              <a:t>2021-02-23 | 40132 | +62</a:t>
+              <a:t>2021-02-26 | 40132 | +62</a:t>
             </a:r>
             <a:endParaRPr lang="en-US"/>
           </a:p>
@@ -10402,7 +10321,7 @@
             </a:pPr>
             <a:r>
               <a:rPr lang="en-US" smtClean="0"/>
-              <a:t>2021-02-23 | 40132 | +62</a:t>
+              <a:t>2021-02-26 | 40132 | +62</a:t>
             </a:r>
             <a:endParaRPr lang="en-US"/>
           </a:p>
@@ -10593,13 +10512,8 @@
           <a:p>
             <a:r>
               <a:rPr lang="en-US" smtClean="0"/>
-              <a:t>Potensial listrik bola </a:t>
-            </a:r>
-            <a:r>
-              <a:rPr lang="en-US" smtClean="0"/>
-              <a:t>isolator pejal homogen</a:t>
-            </a:r>
-            <a:endParaRPr lang="en-US" smtClean="0"/>
+              <a:t>Potensial listrik bola isolator pejal homogen</a:t>
+            </a:r>
           </a:p>
           <a:p>
             <a:r>
@@ -10665,7 +10579,7 @@
           <a:p>
             <a:r>
               <a:rPr lang="en-US" smtClean="0"/>
-              <a:t>2021-02-23 | 40132 | +62</a:t>
+              <a:t>2021-02-26 | 40132 | +62</a:t>
             </a:r>
           </a:p>
         </p:txBody>
@@ -10843,7 +10757,7 @@
             </a:pPr>
             <a:r>
               <a:rPr lang="en-US" smtClean="0"/>
-              <a:t>2021-02-23 | 40132 | +62</a:t>
+              <a:t>2021-02-26 | 40132 | +62</a:t>
             </a:r>
             <a:endParaRPr lang="en-US"/>
           </a:p>
@@ -10989,7 +10903,7 @@
           <a:p>
             <a:r>
               <a:rPr lang="en-US" smtClean="0"/>
-              <a:t>2021-02-23 | 40132 | +62</a:t>
+              <a:t>2021-02-26 | 40132 | +62</a:t>
             </a:r>
           </a:p>
         </p:txBody>
@@ -11123,7 +11037,7 @@
           <a:p>
             <a:r>
               <a:rPr lang="en-US" smtClean="0"/>
-              <a:t>Suatu bola konduktor pejal homogen bermuatan </a:t>
+              <a:t>Suatu bola isolator pejal homogen bermuatan </a:t>
             </a:r>
             <a:r>
               <a:rPr lang="en-US" i="1" smtClean="0">
@@ -11141,7 +11055,7 @@
             </a:r>
             <a:r>
               <a:rPr lang="en-US" smtClean="0"/>
-              <a:t> yang pu-satnya berhimpit dengan pusat koordinat </a:t>
+              <a:t> yang pusat-nya berhimpit dengan pusat koordinat </a:t>
             </a:r>
             <a:r>
               <a:rPr lang="en-US" smtClean="0">
@@ -11152,7 +11066,7 @@
             </a:r>
             <a:r>
               <a:rPr lang="en-US" smtClean="0"/>
-              <a:t> akan mem-berikan medan listrik pada setiap posisi </a:t>
+              <a:t> akan membe-rikan medan listrik pada setiap posisi </a:t>
             </a:r>
             <a:r>
               <a:rPr lang="en-US" i="1" smtClean="0">
@@ -11271,7 +11185,7 @@
             </a:pPr>
             <a:r>
               <a:rPr lang="en-US" smtClean="0"/>
-              <a:t>2021-02-23 | 40132 | +62</a:t>
+              <a:t>2021-02-26 | 40132 | +62</a:t>
             </a:r>
             <a:endParaRPr lang="en-US"/>
           </a:p>
@@ -11523,7 +11437,7 @@
             </a:pPr>
             <a:r>
               <a:rPr lang="en-US" smtClean="0"/>
-              <a:t>2021-02-23 | 40132 | +62</a:t>
+              <a:t>2021-02-26 | 40132 | +62</a:t>
             </a:r>
             <a:endParaRPr lang="en-US"/>
           </a:p>
@@ -11762,7 +11676,7 @@
             </a:pPr>
             <a:r>
               <a:rPr lang="en-US" smtClean="0"/>
-              <a:t>2021-02-23 | 40132 | +62</a:t>
+              <a:t>2021-02-26 | 40132 | +62</a:t>
             </a:r>
             <a:endParaRPr lang="en-US"/>
           </a:p>
@@ -12253,7 +12167,7 @@
             </a:pPr>
             <a:r>
               <a:rPr lang="en-US" smtClean="0"/>
-              <a:t>2021-02-23 | 40132 | +62</a:t>
+              <a:t>2021-02-26 | 40132 | +62</a:t>
             </a:r>
             <a:endParaRPr lang="en-US"/>
           </a:p>
@@ -12437,7 +12351,7 @@
             </a:pPr>
             <a:r>
               <a:rPr lang="en-US" smtClean="0"/>
-              <a:t>2021-02-23 | 40132 | +62</a:t>
+              <a:t>2021-02-26 | 40132 | +62</a:t>
             </a:r>
             <a:endParaRPr lang="en-US"/>
           </a:p>
@@ -12850,7 +12764,7 @@
             </a:pPr>
             <a:r>
               <a:rPr lang="en-US" smtClean="0"/>
-              <a:t>2021-02-23 | 40132 | +62</a:t>
+              <a:t>2021-02-26 | 40132 | +62</a:t>
             </a:r>
             <a:endParaRPr lang="en-US"/>
           </a:p>
